--- a/教材/13章_Terraform応用.pptx
+++ b/教材/13章_Terraform応用.pptx
@@ -1550,7 +1550,7 @@
   <pc:docChgLst>
     <pc:chgData name="尾嵜 成真" userId="dd95f81a979e9056" providerId="LiveId" clId="{68CC7695-641E-408E-B3E5-1617E1C3AD34}"/>
     <pc:docChg chg="undo custSel addSld delSld modSld sldOrd">
-      <pc:chgData name="尾嵜 成真" userId="dd95f81a979e9056" providerId="LiveId" clId="{68CC7695-641E-408E-B3E5-1617E1C3AD34}" dt="2023-01-27T09:07:38.033" v="9479" actId="14100"/>
+      <pc:chgData name="尾嵜 成真" userId="dd95f81a979e9056" providerId="LiveId" clId="{68CC7695-641E-408E-B3E5-1617E1C3AD34}" dt="2023-02-08T12:59:54.789" v="9483" actId="14100"/>
       <pc:docMkLst>
         <pc:docMk/>
       </pc:docMkLst>
@@ -2186,13 +2186,13 @@
         </pc:picChg>
       </pc:sldChg>
       <pc:sldChg chg="addSp delSp modSp add mod">
-        <pc:chgData name="尾嵜 成真" userId="dd95f81a979e9056" providerId="LiveId" clId="{68CC7695-641E-408E-B3E5-1617E1C3AD34}" dt="2023-01-23T10:25:09.372" v="8282" actId="14100"/>
+        <pc:chgData name="尾嵜 成真" userId="dd95f81a979e9056" providerId="LiveId" clId="{68CC7695-641E-408E-B3E5-1617E1C3AD34}" dt="2023-02-08T12:57:26.430" v="9482" actId="1076"/>
         <pc:sldMkLst>
           <pc:docMk/>
           <pc:sldMk cId="3207978612" sldId="306"/>
         </pc:sldMkLst>
         <pc:spChg chg="add mod">
-          <ac:chgData name="尾嵜 成真" userId="dd95f81a979e9056" providerId="LiveId" clId="{68CC7695-641E-408E-B3E5-1617E1C3AD34}" dt="2023-01-23T10:19:17.887" v="8174" actId="1076"/>
+          <ac:chgData name="尾嵜 成真" userId="dd95f81a979e9056" providerId="LiveId" clId="{68CC7695-641E-408E-B3E5-1617E1C3AD34}" dt="2023-02-08T12:57:26.430" v="9482" actId="1076"/>
           <ac:spMkLst>
             <pc:docMk/>
             <pc:sldMk cId="3207978612" sldId="306"/>
@@ -2200,7 +2200,7 @@
           </ac:spMkLst>
         </pc:spChg>
         <pc:spChg chg="mod">
-          <ac:chgData name="尾嵜 成真" userId="dd95f81a979e9056" providerId="LiveId" clId="{68CC7695-641E-408E-B3E5-1617E1C3AD34}" dt="2023-01-23T10:06:00.771" v="7963" actId="207"/>
+          <ac:chgData name="尾嵜 成真" userId="dd95f81a979e9056" providerId="LiveId" clId="{68CC7695-641E-408E-B3E5-1617E1C3AD34}" dt="2023-02-08T12:57:21.758" v="9481" actId="20577"/>
           <ac:spMkLst>
             <pc:docMk/>
             <pc:sldMk cId="3207978612" sldId="306"/>
@@ -2216,7 +2216,7 @@
           </ac:spMkLst>
         </pc:spChg>
         <pc:spChg chg="add mod">
-          <ac:chgData name="尾嵜 成真" userId="dd95f81a979e9056" providerId="LiveId" clId="{68CC7695-641E-408E-B3E5-1617E1C3AD34}" dt="2023-01-23T10:19:17.887" v="8174" actId="1076"/>
+          <ac:chgData name="尾嵜 成真" userId="dd95f81a979e9056" providerId="LiveId" clId="{68CC7695-641E-408E-B3E5-1617E1C3AD34}" dt="2023-02-08T12:57:26.430" v="9482" actId="1076"/>
           <ac:spMkLst>
             <pc:docMk/>
             <pc:sldMk cId="3207978612" sldId="306"/>
@@ -2240,7 +2240,7 @@
           </ac:spMkLst>
         </pc:spChg>
         <pc:spChg chg="add mod">
-          <ac:chgData name="尾嵜 成真" userId="dd95f81a979e9056" providerId="LiveId" clId="{68CC7695-641E-408E-B3E5-1617E1C3AD34}" dt="2023-01-23T10:19:17.887" v="8174" actId="1076"/>
+          <ac:chgData name="尾嵜 成真" userId="dd95f81a979e9056" providerId="LiveId" clId="{68CC7695-641E-408E-B3E5-1617E1C3AD34}" dt="2023-02-08T12:57:26.430" v="9482" actId="1076"/>
           <ac:spMkLst>
             <pc:docMk/>
             <pc:sldMk cId="3207978612" sldId="306"/>
@@ -2248,7 +2248,7 @@
           </ac:spMkLst>
         </pc:spChg>
         <pc:spChg chg="add mod">
-          <ac:chgData name="尾嵜 成真" userId="dd95f81a979e9056" providerId="LiveId" clId="{68CC7695-641E-408E-B3E5-1617E1C3AD34}" dt="2023-01-23T10:19:17.887" v="8174" actId="1076"/>
+          <ac:chgData name="尾嵜 成真" userId="dd95f81a979e9056" providerId="LiveId" clId="{68CC7695-641E-408E-B3E5-1617E1C3AD34}" dt="2023-02-08T12:57:26.430" v="9482" actId="1076"/>
           <ac:spMkLst>
             <pc:docMk/>
             <pc:sldMk cId="3207978612" sldId="306"/>
@@ -2256,7 +2256,7 @@
           </ac:spMkLst>
         </pc:spChg>
         <pc:spChg chg="add mod">
-          <ac:chgData name="尾嵜 成真" userId="dd95f81a979e9056" providerId="LiveId" clId="{68CC7695-641E-408E-B3E5-1617E1C3AD34}" dt="2023-01-23T10:21:23.311" v="8198" actId="1076"/>
+          <ac:chgData name="尾嵜 成真" userId="dd95f81a979e9056" providerId="LiveId" clId="{68CC7695-641E-408E-B3E5-1617E1C3AD34}" dt="2023-02-08T12:57:26.430" v="9482" actId="1076"/>
           <ac:spMkLst>
             <pc:docMk/>
             <pc:sldMk cId="3207978612" sldId="306"/>
@@ -2264,7 +2264,7 @@
           </ac:spMkLst>
         </pc:spChg>
         <pc:spChg chg="add mod">
-          <ac:chgData name="尾嵜 成真" userId="dd95f81a979e9056" providerId="LiveId" clId="{68CC7695-641E-408E-B3E5-1617E1C3AD34}" dt="2023-01-23T10:21:31.574" v="8199" actId="1076"/>
+          <ac:chgData name="尾嵜 成真" userId="dd95f81a979e9056" providerId="LiveId" clId="{68CC7695-641E-408E-B3E5-1617E1C3AD34}" dt="2023-02-08T12:57:26.430" v="9482" actId="1076"/>
           <ac:spMkLst>
             <pc:docMk/>
             <pc:sldMk cId="3207978612" sldId="306"/>
@@ -2272,7 +2272,7 @@
           </ac:spMkLst>
         </pc:spChg>
         <pc:spChg chg="add mod">
-          <ac:chgData name="尾嵜 成真" userId="dd95f81a979e9056" providerId="LiveId" clId="{68CC7695-641E-408E-B3E5-1617E1C3AD34}" dt="2023-01-23T10:25:09.372" v="8282" actId="14100"/>
+          <ac:chgData name="尾嵜 成真" userId="dd95f81a979e9056" providerId="LiveId" clId="{68CC7695-641E-408E-B3E5-1617E1C3AD34}" dt="2023-02-08T12:57:26.430" v="9482" actId="1076"/>
           <ac:spMkLst>
             <pc:docMk/>
             <pc:sldMk cId="3207978612" sldId="306"/>
@@ -2312,7 +2312,7 @@
           </ac:picMkLst>
         </pc:picChg>
         <pc:picChg chg="add mod">
-          <ac:chgData name="尾嵜 成真" userId="dd95f81a979e9056" providerId="LiveId" clId="{68CC7695-641E-408E-B3E5-1617E1C3AD34}" dt="2023-01-23T10:21:39.410" v="8200" actId="1076"/>
+          <ac:chgData name="尾嵜 成真" userId="dd95f81a979e9056" providerId="LiveId" clId="{68CC7695-641E-408E-B3E5-1617E1C3AD34}" dt="2023-02-08T12:57:26.430" v="9482" actId="1076"/>
           <ac:picMkLst>
             <pc:docMk/>
             <pc:sldMk cId="3207978612" sldId="306"/>
@@ -2328,7 +2328,7 @@
           </ac:picMkLst>
         </pc:picChg>
         <pc:picChg chg="add mod">
-          <ac:chgData name="尾嵜 成真" userId="dd95f81a979e9056" providerId="LiveId" clId="{68CC7695-641E-408E-B3E5-1617E1C3AD34}" dt="2023-01-23T10:19:17.887" v="8174" actId="1076"/>
+          <ac:chgData name="尾嵜 成真" userId="dd95f81a979e9056" providerId="LiveId" clId="{68CC7695-641E-408E-B3E5-1617E1C3AD34}" dt="2023-02-08T12:57:26.430" v="9482" actId="1076"/>
           <ac:picMkLst>
             <pc:docMk/>
             <pc:sldMk cId="3207978612" sldId="306"/>
@@ -2344,7 +2344,7 @@
           </ac:picMkLst>
         </pc:picChg>
         <pc:cxnChg chg="add mod">
-          <ac:chgData name="尾嵜 成真" userId="dd95f81a979e9056" providerId="LiveId" clId="{68CC7695-641E-408E-B3E5-1617E1C3AD34}" dt="2023-01-23T10:19:17.887" v="8174" actId="1076"/>
+          <ac:chgData name="尾嵜 成真" userId="dd95f81a979e9056" providerId="LiveId" clId="{68CC7695-641E-408E-B3E5-1617E1C3AD34}" dt="2023-02-08T12:57:26.430" v="9482" actId="1076"/>
           <ac:cxnSpMkLst>
             <pc:docMk/>
             <pc:sldMk cId="3207978612" sldId="306"/>
@@ -2360,7 +2360,7 @@
           </ac:cxnSpMkLst>
         </pc:cxnChg>
         <pc:cxnChg chg="add mod">
-          <ac:chgData name="尾嵜 成真" userId="dd95f81a979e9056" providerId="LiveId" clId="{68CC7695-641E-408E-B3E5-1617E1C3AD34}" dt="2023-01-23T10:19:17.887" v="8174" actId="1076"/>
+          <ac:chgData name="尾嵜 成真" userId="dd95f81a979e9056" providerId="LiveId" clId="{68CC7695-641E-408E-B3E5-1617E1C3AD34}" dt="2023-02-08T12:57:26.430" v="9482" actId="1076"/>
           <ac:cxnSpMkLst>
             <pc:docMk/>
             <pc:sldMk cId="3207978612" sldId="306"/>
@@ -2368,7 +2368,7 @@
           </ac:cxnSpMkLst>
         </pc:cxnChg>
         <pc:cxnChg chg="add mod">
-          <ac:chgData name="尾嵜 成真" userId="dd95f81a979e9056" providerId="LiveId" clId="{68CC7695-641E-408E-B3E5-1617E1C3AD34}" dt="2023-01-23T10:19:17.887" v="8174" actId="1076"/>
+          <ac:chgData name="尾嵜 成真" userId="dd95f81a979e9056" providerId="LiveId" clId="{68CC7695-641E-408E-B3E5-1617E1C3AD34}" dt="2023-02-08T12:57:26.430" v="9482" actId="1076"/>
           <ac:cxnSpMkLst>
             <pc:docMk/>
             <pc:sldMk cId="3207978612" sldId="306"/>
@@ -2376,7 +2376,7 @@
           </ac:cxnSpMkLst>
         </pc:cxnChg>
         <pc:cxnChg chg="add mod">
-          <ac:chgData name="尾嵜 成真" userId="dd95f81a979e9056" providerId="LiveId" clId="{68CC7695-641E-408E-B3E5-1617E1C3AD34}" dt="2023-01-23T10:19:17.887" v="8174" actId="1076"/>
+          <ac:chgData name="尾嵜 成真" userId="dd95f81a979e9056" providerId="LiveId" clId="{68CC7695-641E-408E-B3E5-1617E1C3AD34}" dt="2023-02-08T12:57:26.430" v="9482" actId="1076"/>
           <ac:cxnSpMkLst>
             <pc:docMk/>
             <pc:sldMk cId="3207978612" sldId="306"/>
@@ -2892,7 +2892,7 @@
         </pc:picChg>
       </pc:sldChg>
       <pc:sldChg chg="addSp delSp modSp add mod">
-        <pc:chgData name="尾嵜 成真" userId="dd95f81a979e9056" providerId="LiveId" clId="{68CC7695-641E-408E-B3E5-1617E1C3AD34}" dt="2023-01-24T09:05:29.351" v="9262" actId="20577"/>
+        <pc:chgData name="尾嵜 成真" userId="dd95f81a979e9056" providerId="LiveId" clId="{68CC7695-641E-408E-B3E5-1617E1C3AD34}" dt="2023-02-08T12:59:54.789" v="9483" actId="14100"/>
         <pc:sldMkLst>
           <pc:docMk/>
           <pc:sldMk cId="2698334619" sldId="310"/>
@@ -2946,7 +2946,7 @@
           </ac:picMkLst>
         </pc:picChg>
         <pc:picChg chg="add mod">
-          <ac:chgData name="尾嵜 成真" userId="dd95f81a979e9056" providerId="LiveId" clId="{68CC7695-641E-408E-B3E5-1617E1C3AD34}" dt="2023-01-24T09:00:34.244" v="9202" actId="1076"/>
+          <ac:chgData name="尾嵜 成真" userId="dd95f81a979e9056" providerId="LiveId" clId="{68CC7695-641E-408E-B3E5-1617E1C3AD34}" dt="2023-02-08T12:59:54.789" v="9483" actId="14100"/>
           <ac:picMkLst>
             <pc:docMk/>
             <pc:sldMk cId="2698334619" sldId="310"/>
@@ -3129,7 +3129,7 @@
             <a:fld id="{D4CCFBE2-2B8D-499C-81C9-2CD5B3EB8E93}" type="datetimeFigureOut">
               <a:rPr lang="ko-KR" altLang="en-US" smtClean="0"/>
               <a:pPr/>
-              <a:t>2023-01-27</a:t>
+              <a:t>2023-02-08</a:t>
             </a:fld>
             <a:endParaRPr lang="ko-KR" altLang="en-US"/>
           </a:p>
@@ -3296,7 +3296,7 @@
             <a:fld id="{FB545AC5-813F-4ED1-B011-8EA17CB93331}" type="datetimeFigureOut">
               <a:rPr lang="ko-KR" altLang="en-US" smtClean="0"/>
               <a:pPr/>
-              <a:t>2023-01-27</a:t>
+              <a:t>2023-02-08</a:t>
             </a:fld>
             <a:endParaRPr lang="ko-KR" altLang="en-US"/>
           </a:p>
@@ -3718,7 +3718,7 @@
             <a:fld id="{ED3D6733-6F27-4404-AB51-585418F146E5}" type="datetimeFigureOut">
               <a:rPr lang="ko-KR" altLang="en-US" smtClean="0"/>
               <a:pPr/>
-              <a:t>2023-01-27</a:t>
+              <a:t>2023-02-08</a:t>
             </a:fld>
             <a:endParaRPr lang="ko-KR" altLang="en-US"/>
           </a:p>
@@ -3903,7 +3903,7 @@
             <a:fld id="{ED3D6733-6F27-4404-AB51-585418F146E5}" type="datetimeFigureOut">
               <a:rPr lang="ko-KR" altLang="en-US" smtClean="0"/>
               <a:pPr/>
-              <a:t>2023-01-27</a:t>
+              <a:t>2023-02-08</a:t>
             </a:fld>
             <a:endParaRPr lang="ko-KR" altLang="en-US"/>
           </a:p>
@@ -4041,7 +4041,7 @@
             <a:fld id="{ED3D6733-6F27-4404-AB51-585418F146E5}" type="datetimeFigureOut">
               <a:rPr lang="ko-KR" altLang="en-US" smtClean="0"/>
               <a:pPr/>
-              <a:t>2023-01-27</a:t>
+              <a:t>2023-02-08</a:t>
             </a:fld>
             <a:endParaRPr lang="ko-KR" altLang="en-US"/>
           </a:p>
@@ -4254,7 +4254,7 @@
             <a:fld id="{ED3D6733-6F27-4404-AB51-585418F146E5}" type="datetimeFigureOut">
               <a:rPr lang="ko-KR" altLang="en-US" smtClean="0"/>
               <a:pPr/>
-              <a:t>2023-01-27</a:t>
+              <a:t>2023-02-08</a:t>
             </a:fld>
             <a:endParaRPr lang="ko-KR" altLang="en-US"/>
           </a:p>
@@ -4531,7 +4531,7 @@
             <a:fld id="{ED3D6733-6F27-4404-AB51-585418F146E5}" type="datetimeFigureOut">
               <a:rPr lang="ko-KR" altLang="en-US" smtClean="0"/>
               <a:pPr/>
-              <a:t>2023-01-27</a:t>
+              <a:t>2023-02-08</a:t>
             </a:fld>
             <a:endParaRPr lang="ko-KR" altLang="en-US"/>
           </a:p>
@@ -4854,7 +4854,7 @@
             <a:fld id="{ED3D6733-6F27-4404-AB51-585418F146E5}" type="datetimeFigureOut">
               <a:rPr lang="ko-KR" altLang="en-US" smtClean="0"/>
               <a:pPr/>
-              <a:t>2023-01-27</a:t>
+              <a:t>2023-02-08</a:t>
             </a:fld>
             <a:endParaRPr lang="ko-KR" altLang="en-US"/>
           </a:p>
@@ -5127,7 +5127,7 @@
             <a:fld id="{ED3D6733-6F27-4404-AB51-585418F146E5}" type="datetimeFigureOut">
               <a:rPr lang="ko-KR" altLang="en-US" smtClean="0"/>
               <a:pPr/>
-              <a:t>2023-01-27</a:t>
+              <a:t>2023-02-08</a:t>
             </a:fld>
             <a:endParaRPr lang="ko-KR" altLang="en-US"/>
           </a:p>
@@ -8147,7 +8147,7 @@
         <p:spPr>
           <a:xfrm>
             <a:off x="7550921" y="1124744"/>
-            <a:ext cx="1192341" cy="1989506"/>
+            <a:ext cx="1485575" cy="2478788"/>
           </a:xfrm>
           <a:prstGeom prst="rect">
             <a:avLst/>
@@ -13889,7 +13889,7 @@
             <a:r>
               <a:rPr lang="ja-JP" altLang="en-US" i="0" dirty="0">
                 <a:solidFill>
-                  <a:srgbClr val="C00000"/>
+                  <a:srgbClr val="FF0000"/>
                 </a:solidFill>
                 <a:uFill>
                   <a:solidFill>
@@ -13903,73 +13903,13 @@
             </a:r>
             <a:endParaRPr lang="en-US" altLang="ja-JP" i="0" dirty="0">
               <a:solidFill>
-                <a:srgbClr val="C00000"/>
+                <a:srgbClr val="FF0000"/>
               </a:solidFill>
               <a:uFill>
                 <a:solidFill>
                   <a:srgbClr val="FF0000"/>
                 </a:solidFill>
               </a:uFill>
-              <a:latin typeface="BIZ UDP明朝 Medium" panose="02020500000000000000" pitchFamily="18" charset="-128"/>
-              <a:ea typeface="BIZ UDP明朝 Medium" panose="02020500000000000000" pitchFamily="18" charset="-128"/>
-            </a:endParaRPr>
-          </a:p>
-          <a:p>
-            <a:pPr marL="0" indent="0"/>
-            <a:r>
-              <a:rPr lang="ja-JP" altLang="en-US" i="0" dirty="0">
-                <a:solidFill>
-                  <a:schemeClr val="tx1"/>
-                </a:solidFill>
-                <a:latin typeface="BIZ UDP明朝 Medium" panose="02020500000000000000" pitchFamily="18" charset="-128"/>
-                <a:ea typeface="BIZ UDP明朝 Medium" panose="02020500000000000000" pitchFamily="18" charset="-128"/>
-              </a:rPr>
-              <a:t>　</a:t>
-            </a:r>
-            <a:r>
-              <a:rPr lang="en-US" altLang="ja-JP" i="0" dirty="0" err="1">
-                <a:solidFill>
-                  <a:schemeClr val="tx1"/>
-                </a:solidFill>
-                <a:latin typeface="BIZ UDP明朝 Medium" panose="02020500000000000000" pitchFamily="18" charset="-128"/>
-                <a:ea typeface="BIZ UDP明朝 Medium" panose="02020500000000000000" pitchFamily="18" charset="-128"/>
-              </a:rPr>
-              <a:t>toset</a:t>
-            </a:r>
-            <a:r>
-              <a:rPr lang="ja-JP" altLang="en-US" i="0" dirty="0">
-                <a:solidFill>
-                  <a:schemeClr val="tx1"/>
-                </a:solidFill>
-                <a:latin typeface="BIZ UDP明朝 Medium" panose="02020500000000000000" pitchFamily="18" charset="-128"/>
-                <a:ea typeface="BIZ UDP明朝 Medium" panose="02020500000000000000" pitchFamily="18" charset="-128"/>
-              </a:rPr>
-              <a:t>型よりも</a:t>
-            </a:r>
-            <a:r>
-              <a:rPr lang="en-US" altLang="ja-JP" i="0" dirty="0">
-                <a:solidFill>
-                  <a:schemeClr val="tx1"/>
-                </a:solidFill>
-                <a:latin typeface="BIZ UDP明朝 Medium" panose="02020500000000000000" pitchFamily="18" charset="-128"/>
-                <a:ea typeface="BIZ UDP明朝 Medium" panose="02020500000000000000" pitchFamily="18" charset="-128"/>
-              </a:rPr>
-              <a:t>map</a:t>
-            </a:r>
-            <a:r>
-              <a:rPr lang="ja-JP" altLang="en-US" i="0" dirty="0">
-                <a:solidFill>
-                  <a:schemeClr val="tx1"/>
-                </a:solidFill>
-                <a:latin typeface="BIZ UDP明朝 Medium" panose="02020500000000000000" pitchFamily="18" charset="-128"/>
-                <a:ea typeface="BIZ UDP明朝 Medium" panose="02020500000000000000" pitchFamily="18" charset="-128"/>
-              </a:rPr>
-              <a:t>型のほうがわかりやすく融通も利くため、採用されるケースが多いです。</a:t>
-            </a:r>
-            <a:endParaRPr lang="en-US" altLang="ja-JP" i="0" dirty="0">
-              <a:solidFill>
-                <a:schemeClr val="tx1"/>
-              </a:solidFill>
               <a:latin typeface="BIZ UDP明朝 Medium" panose="02020500000000000000" pitchFamily="18" charset="-128"/>
               <a:ea typeface="BIZ UDP明朝 Medium" panose="02020500000000000000" pitchFamily="18" charset="-128"/>
             </a:endParaRPr>
@@ -14105,7 +14045,7 @@
         </p:nvSpPr>
         <p:spPr>
           <a:xfrm>
-            <a:off x="3459046" y="4618586"/>
+            <a:off x="3477227" y="4481999"/>
             <a:ext cx="1296144" cy="288032"/>
           </a:xfrm>
           <a:prstGeom prst="rightArrow">
@@ -14161,7 +14101,7 @@
         </p:nvSpPr>
         <p:spPr>
           <a:xfrm>
-            <a:off x="3248571" y="4152016"/>
+            <a:off x="3266752" y="4015429"/>
             <a:ext cx="1918545" cy="580884"/>
           </a:xfrm>
           <a:prstGeom prst="rect">
@@ -14254,7 +14194,7 @@
         </p:blipFill>
         <p:spPr>
           <a:xfrm>
-            <a:off x="1186778" y="3565587"/>
+            <a:off x="1204959" y="3429000"/>
             <a:ext cx="1452049" cy="2342804"/>
           </a:xfrm>
           <a:prstGeom prst="rect">
@@ -14284,7 +14224,7 @@
         </p:blipFill>
         <p:spPr>
           <a:xfrm>
-            <a:off x="5642488" y="3558262"/>
+            <a:off x="5660669" y="3421675"/>
             <a:ext cx="2386959" cy="2342804"/>
           </a:xfrm>
           <a:prstGeom prst="rect">
@@ -14306,7 +14246,7 @@
         </p:nvSpPr>
         <p:spPr>
           <a:xfrm>
-            <a:off x="6288875" y="5084332"/>
+            <a:off x="6307056" y="4947745"/>
             <a:ext cx="792088" cy="504056"/>
           </a:xfrm>
           <a:prstGeom prst="rect">
@@ -14358,7 +14298,7 @@
         </p:nvSpPr>
         <p:spPr>
           <a:xfrm>
-            <a:off x="5892677" y="5084332"/>
+            <a:off x="5910858" y="4947745"/>
             <a:ext cx="236213" cy="504056"/>
           </a:xfrm>
           <a:prstGeom prst="rect">
@@ -14412,7 +14352,7 @@
         </p:nvSpPr>
         <p:spPr>
           <a:xfrm>
-            <a:off x="5707216" y="5442814"/>
+            <a:off x="5725397" y="5306227"/>
             <a:ext cx="675216" cy="580884"/>
           </a:xfrm>
           <a:prstGeom prst="rect">
@@ -14476,7 +14416,7 @@
         </p:nvSpPr>
         <p:spPr>
           <a:xfrm>
-            <a:off x="6314351" y="5442814"/>
+            <a:off x="6332532" y="5306227"/>
             <a:ext cx="1586645" cy="580884"/>
           </a:xfrm>
           <a:prstGeom prst="rect">
@@ -14540,7 +14480,7 @@
         </p:nvCxnSpPr>
         <p:spPr>
           <a:xfrm>
-            <a:off x="7080963" y="4296032"/>
+            <a:off x="7099144" y="4159445"/>
             <a:ext cx="576064" cy="0"/>
           </a:xfrm>
           <a:prstGeom prst="line">
@@ -14581,7 +14521,7 @@
         </p:nvCxnSpPr>
         <p:spPr>
           <a:xfrm>
-            <a:off x="6561156" y="4008000"/>
+            <a:off x="6579337" y="3871413"/>
             <a:ext cx="648072" cy="0"/>
           </a:xfrm>
           <a:prstGeom prst="line">
@@ -14624,7 +14564,7 @@
         </p:nvCxnSpPr>
         <p:spPr>
           <a:xfrm flipH="1">
-            <a:off x="6632947" y="4000571"/>
+            <a:off x="6651128" y="3863984"/>
             <a:ext cx="262066" cy="1083761"/>
           </a:xfrm>
           <a:prstGeom prst="straightConnector1">
@@ -14669,7 +14609,7 @@
         </p:nvCxnSpPr>
         <p:spPr>
           <a:xfrm flipH="1">
-            <a:off x="6010784" y="4296032"/>
+            <a:off x="6028965" y="4159445"/>
             <a:ext cx="1342243" cy="788300"/>
           </a:xfrm>
           <a:prstGeom prst="straightConnector1">
@@ -14711,7 +14651,7 @@
         </p:nvSpPr>
         <p:spPr>
           <a:xfrm>
-            <a:off x="5642489" y="3558262"/>
+            <a:off x="5660670" y="3421675"/>
             <a:ext cx="2386958" cy="2342804"/>
           </a:xfrm>
           <a:prstGeom prst="rect">
